--- a/Relatorio_2/LabsisWebPage/image/fluxograma/flowchart_general.pptx
+++ b/Relatorio_2/LabsisWebPage/image/fluxograma/flowchart_general.pptx
@@ -5386,136 +5386,6 @@
           </a:fontRef>
         </p:style>
       </p:cxnSp>
-      <p:cxnSp>
-        <p:nvCxnSpPr>
-          <p:cNvPr id="20" name="Connector: Elbow 19">
-            <a:extLst>
-              <a:ext uri="{FF2B5EF4-FFF2-40B4-BE49-F238E27FC236}">
-                <a16:creationId xmlns:a16="http://schemas.microsoft.com/office/drawing/2014/main" id="{A37773A3-A8C2-4837-B965-0C4A67F4D187}"/>
-              </a:ext>
-            </a:extLst>
-          </p:cNvPr>
-          <p:cNvCxnSpPr>
-            <a:stCxn id="41" idx="2"/>
-          </p:cNvCxnSpPr>
-          <p:nvPr/>
-        </p:nvCxnSpPr>
-        <p:spPr>
-          <a:xfrm rot="5400000" flipH="1" flipV="1">
-            <a:off x="8346546" y="2891598"/>
-            <a:ext cx="2761399" cy="1112881"/>
-          </a:xfrm>
-          <a:prstGeom prst="bentConnector3">
-            <a:avLst>
-              <a:gd name="adj1" fmla="val -8278"/>
-            </a:avLst>
-          </a:prstGeom>
-          <a:ln w="38100">
-            <a:solidFill>
-              <a:schemeClr val="tx1"/>
-            </a:solidFill>
-          </a:ln>
-        </p:spPr>
-        <p:style>
-          <a:lnRef idx="1">
-            <a:schemeClr val="accent1"/>
-          </a:lnRef>
-          <a:fillRef idx="0">
-            <a:schemeClr val="accent1"/>
-          </a:fillRef>
-          <a:effectRef idx="0">
-            <a:schemeClr val="accent1"/>
-          </a:effectRef>
-          <a:fontRef idx="minor">
-            <a:schemeClr val="tx1"/>
-          </a:fontRef>
-        </p:style>
-      </p:cxnSp>
-      <p:cxnSp>
-        <p:nvCxnSpPr>
-          <p:cNvPr id="24" name="Straight Arrow Connector 23">
-            <a:extLst>
-              <a:ext uri="{FF2B5EF4-FFF2-40B4-BE49-F238E27FC236}">
-                <a16:creationId xmlns:a16="http://schemas.microsoft.com/office/drawing/2014/main" id="{8553E4A6-41DE-421B-B319-9420058939FA}"/>
-              </a:ext>
-            </a:extLst>
-          </p:cNvPr>
-          <p:cNvCxnSpPr>
-            <a:cxnSpLocks/>
-          </p:cNvCxnSpPr>
-          <p:nvPr/>
-        </p:nvCxnSpPr>
-        <p:spPr>
-          <a:xfrm flipH="1">
-            <a:off x="1882693" y="1881809"/>
-            <a:ext cx="8400993" cy="1"/>
-          </a:xfrm>
-          <a:prstGeom prst="straightConnector1">
-            <a:avLst/>
-          </a:prstGeom>
-          <a:ln w="38100">
-            <a:solidFill>
-              <a:schemeClr val="tx1"/>
-            </a:solidFill>
-            <a:tailEnd type="triangle"/>
-          </a:ln>
-        </p:spPr>
-        <p:style>
-          <a:lnRef idx="1">
-            <a:schemeClr val="accent1"/>
-          </a:lnRef>
-          <a:fillRef idx="0">
-            <a:schemeClr val="accent1"/>
-          </a:fillRef>
-          <a:effectRef idx="0">
-            <a:schemeClr val="accent1"/>
-          </a:effectRef>
-          <a:fontRef idx="minor">
-            <a:schemeClr val="tx1"/>
-          </a:fontRef>
-        </p:style>
-      </p:cxnSp>
-      <p:cxnSp>
-        <p:nvCxnSpPr>
-          <p:cNvPr id="30" name="Straight Connector 29">
-            <a:extLst>
-              <a:ext uri="{FF2B5EF4-FFF2-40B4-BE49-F238E27FC236}">
-                <a16:creationId xmlns:a16="http://schemas.microsoft.com/office/drawing/2014/main" id="{C4168E26-91DF-47BC-A557-26454D65F2F4}"/>
-              </a:ext>
-            </a:extLst>
-          </p:cNvPr>
-          <p:cNvCxnSpPr/>
-          <p:nvPr/>
-        </p:nvCxnSpPr>
-        <p:spPr>
-          <a:xfrm flipV="1">
-            <a:off x="10283686" y="1881809"/>
-            <a:ext cx="0" cy="185530"/>
-          </a:xfrm>
-          <a:prstGeom prst="line">
-            <a:avLst/>
-          </a:prstGeom>
-          <a:ln w="38100">
-            <a:solidFill>
-              <a:schemeClr val="tx1"/>
-            </a:solidFill>
-          </a:ln>
-        </p:spPr>
-        <p:style>
-          <a:lnRef idx="1">
-            <a:schemeClr val="accent1"/>
-          </a:lnRef>
-          <a:fillRef idx="0">
-            <a:schemeClr val="accent1"/>
-          </a:fillRef>
-          <a:effectRef idx="0">
-            <a:schemeClr val="accent1"/>
-          </a:effectRef>
-          <a:fontRef idx="minor">
-            <a:schemeClr val="tx1"/>
-          </a:fontRef>
-        </p:style>
-      </p:cxnSp>
     </p:spTree>
     <p:extLst>
       <p:ext uri="{BB962C8B-B14F-4D97-AF65-F5344CB8AC3E}">
